--- a/w205Presentation_UmberLin.pptx
+++ b/w205Presentation_UmberLin.pptx
@@ -11364,15 +11364,7 @@
           <a:p>
             <a:r>
               <a:rPr lang="en-US" dirty="0" smtClean="0"/>
-              <a:t>Musicians </a:t>
-            </a:r>
-            <a:r>
-              <a:rPr lang="en-US" dirty="0" smtClean="0"/>
-              <a:t>meets </a:t>
-            </a:r>
-            <a:r>
-              <a:rPr lang="en-US" dirty="0" smtClean="0"/>
-              <a:t>big data</a:t>
+              <a:t>Musicians meets big data</a:t>
             </a:r>
             <a:endParaRPr lang="en-US" dirty="0"/>
           </a:p>
@@ -11397,16 +11389,15 @@
               <a:rPr lang="en-US" dirty="0" smtClean="0"/>
               <a:t>Umber, Lin, </a:t>
             </a:r>
-            <a:endParaRPr lang="en-US" dirty="0" smtClean="0"/>
           </a:p>
           <a:p>
             <a:r>
               <a:rPr lang="en-US" dirty="0" smtClean="0"/>
-              <a:t>W205 </a:t>
+              <a:t>W205 project 1, week </a:t>
             </a:r>
             <a:r>
               <a:rPr lang="en-US" dirty="0" smtClean="0"/>
-              <a:t>project 1, week 5</a:t>
+              <a:t>15</a:t>
             </a:r>
             <a:endParaRPr lang="en-US" dirty="0"/>
           </a:p>
@@ -11464,7 +11455,11 @@
           <a:p>
             <a:r>
               <a:rPr lang="en-US" dirty="0" smtClean="0"/>
-              <a:t>EXAMPLE 2: </a:t>
+              <a:t>EXAMPLE </a:t>
+            </a:r>
+            <a:r>
+              <a:rPr lang="en-US" dirty="0" smtClean="0"/>
+              <a:t>1: </a:t>
             </a:r>
             <a:endParaRPr lang="en-US" dirty="0"/>
           </a:p>
@@ -11862,7 +11857,6 @@
               <a:rPr lang="en-US" sz="1800" dirty="0"/>
               <a:t>A scalable and real-time solution that enables marketers to understand what songs will be successful and how to replicate that success</a:t>
             </a:r>
-            <a:endParaRPr lang="en-US" sz="1800" dirty="0"/>
           </a:p>
         </p:txBody>
       </p:sp>
@@ -12002,11 +11996,7 @@
             </a:pPr>
             <a:r>
               <a:rPr lang="en-US" b="1" dirty="0" smtClean="0"/>
-              <a:t>ENABLE – use best predictors fo</a:t>
-            </a:r>
-            <a:r>
-              <a:rPr lang="en-US" b="1" dirty="0" smtClean="0"/>
-              <a:t>r real time future success</a:t>
+              <a:t>ENABLE – use best predictors for real time future success</a:t>
             </a:r>
           </a:p>
           <a:p>
@@ -12421,22 +12411,13 @@
           <a:p>
             <a:r>
               <a:rPr lang="en-US" dirty="0" smtClean="0"/>
-              <a:t>After setting up the data pipeline. </a:t>
+              <a:t>After setting up the data pipeline. We take averages of predictor data for 1 month leading up to song’s peak position on Billboard charts</a:t>
             </a:r>
+          </a:p>
+          <a:p>
             <a:r>
               <a:rPr lang="en-US" dirty="0" smtClean="0"/>
-              <a:t>We take averages of predictor data for 1 month leading up to song’s peak position on Billboard charts</a:t>
-            </a:r>
-            <a:endParaRPr lang="en-US" dirty="0" smtClean="0"/>
-          </a:p>
-          <a:p>
-            <a:r>
-              <a:rPr lang="en-US" dirty="0" smtClean="0"/>
-              <a:t>Then </a:t>
-            </a:r>
-            <a:r>
-              <a:rPr lang="en-US" dirty="0" smtClean="0"/>
-              <a:t>factor correlated factors into predictive model and run against future songs</a:t>
+              <a:t>Then factor correlated factors into predictive model and run against future songs</a:t>
             </a:r>
           </a:p>
           <a:p>
@@ -12467,7 +12448,6 @@
               <a:rPr lang="en-US" dirty="0" smtClean="0"/>
               <a:t>Schema on Read</a:t>
             </a:r>
-            <a:endParaRPr lang="en-US" dirty="0" smtClean="0"/>
           </a:p>
           <a:p>
             <a:pPr marL="0" indent="0">
@@ -12636,7 +12616,6 @@
               <a:rPr lang="en-US" dirty="0" smtClean="0"/>
               <a:t>Run correlation to determine relationship</a:t>
             </a:r>
-            <a:endParaRPr lang="en-US" dirty="0" smtClean="0"/>
           </a:p>
           <a:p>
             <a:pPr marL="0" indent="0">
@@ -12863,7 +12842,6 @@
               <a:rPr lang="en-US" dirty="0" smtClean="0"/>
               <a:t>look at multiple data sources for week to week: total tweets mentioning artist &amp; song, change from previous week billboard chart, change in google hits</a:t>
             </a:r>
-            <a:endParaRPr lang="en-US" dirty="0" smtClean="0"/>
           </a:p>
           <a:p>
             <a:pPr marL="0" indent="0">

--- a/w205Presentation_UmberLin.pptx
+++ b/w205Presentation_UmberLin.pptx
@@ -10,13 +10,15 @@
     <p:sldId id="257" r:id="rId4"/>
     <p:sldId id="258" r:id="rId5"/>
     <p:sldId id="259" r:id="rId6"/>
-    <p:sldId id="260" r:id="rId7"/>
-    <p:sldId id="262" r:id="rId8"/>
-    <p:sldId id="263" r:id="rId9"/>
-    <p:sldId id="264" r:id="rId10"/>
-    <p:sldId id="265" r:id="rId11"/>
-    <p:sldId id="266" r:id="rId12"/>
-    <p:sldId id="267" r:id="rId13"/>
+    <p:sldId id="268" r:id="rId7"/>
+    <p:sldId id="269" r:id="rId8"/>
+    <p:sldId id="260" r:id="rId9"/>
+    <p:sldId id="270" r:id="rId10"/>
+    <p:sldId id="271" r:id="rId11"/>
+    <p:sldId id="272" r:id="rId12"/>
+    <p:sldId id="264" r:id="rId13"/>
+    <p:sldId id="266" r:id="rId14"/>
+    <p:sldId id="267" r:id="rId15"/>
   </p:sldIdLst>
   <p:sldSz cx="12192000" cy="6858000"/>
   <p:notesSz cx="6858000" cy="9144000"/>
@@ -5910,7 +5912,7 @@
             <a:fld id="{B61BEF0D-F0BB-DE4B-95CE-6DB70DBA9567}" type="datetimeFigureOut">
               <a:rPr lang="en-US" dirty="0"/>
               <a:pPr/>
-              <a:t>12/14/2015</a:t>
+              <a:t>12/23/2015</a:t>
             </a:fld>
             <a:endParaRPr lang="en-US" dirty="0"/>
           </a:p>
@@ -6241,7 +6243,7 @@
             <a:fld id="{B61BEF0D-F0BB-DE4B-95CE-6DB70DBA9567}" type="datetimeFigureOut">
               <a:rPr lang="en-US" dirty="0"/>
               <a:pPr/>
-              <a:t>12/14/2015</a:t>
+              <a:t>12/23/2015</a:t>
             </a:fld>
             <a:endParaRPr lang="en-US" dirty="0"/>
           </a:p>
@@ -6516,7 +6518,7 @@
             <a:fld id="{B61BEF0D-F0BB-DE4B-95CE-6DB70DBA9567}" type="datetimeFigureOut">
               <a:rPr lang="en-US" dirty="0"/>
               <a:pPr/>
-              <a:t>12/14/2015</a:t>
+              <a:t>12/23/2015</a:t>
             </a:fld>
             <a:endParaRPr lang="en-US" dirty="0"/>
           </a:p>
@@ -7081,7 +7083,7 @@
             <a:fld id="{B61BEF0D-F0BB-DE4B-95CE-6DB70DBA9567}" type="datetimeFigureOut">
               <a:rPr lang="en-US" dirty="0"/>
               <a:pPr/>
-              <a:t>12/14/2015</a:t>
+              <a:t>12/23/2015</a:t>
             </a:fld>
             <a:endParaRPr lang="en-US" dirty="0"/>
           </a:p>
@@ -7356,7 +7358,7 @@
             <a:fld id="{B61BEF0D-F0BB-DE4B-95CE-6DB70DBA9567}" type="datetimeFigureOut">
               <a:rPr lang="en-US" dirty="0"/>
               <a:pPr/>
-              <a:t>12/14/2015</a:t>
+              <a:t>12/23/2015</a:t>
             </a:fld>
             <a:endParaRPr lang="en-US" dirty="0"/>
           </a:p>
@@ -7915,7 +7917,7 @@
             <a:fld id="{B61BEF0D-F0BB-DE4B-95CE-6DB70DBA9567}" type="datetimeFigureOut">
               <a:rPr lang="en-US" dirty="0"/>
               <a:pPr/>
-              <a:t>12/14/2015</a:t>
+              <a:t>12/23/2015</a:t>
             </a:fld>
             <a:endParaRPr lang="en-US" dirty="0"/>
           </a:p>
@@ -8239,7 +8241,7 @@
             <a:fld id="{B61BEF0D-F0BB-DE4B-95CE-6DB70DBA9567}" type="datetimeFigureOut">
               <a:rPr lang="en-US" dirty="0"/>
               <a:pPr/>
-              <a:t>12/14/2015</a:t>
+              <a:t>12/23/2015</a:t>
             </a:fld>
             <a:endParaRPr lang="en-US" dirty="0"/>
           </a:p>
@@ -8413,7 +8415,7 @@
             <a:fld id="{B61BEF0D-F0BB-DE4B-95CE-6DB70DBA9567}" type="datetimeFigureOut">
               <a:rPr lang="en-US" dirty="0"/>
               <a:pPr/>
-              <a:t>12/14/2015</a:t>
+              <a:t>12/23/2015</a:t>
             </a:fld>
             <a:endParaRPr lang="en-US" dirty="0"/>
           </a:p>
@@ -8648,7 +8650,7 @@
             <a:fld id="{B61BEF0D-F0BB-DE4B-95CE-6DB70DBA9567}" type="datetimeFigureOut">
               <a:rPr lang="en-US" dirty="0"/>
               <a:pPr/>
-              <a:t>12/14/2015</a:t>
+              <a:t>12/23/2015</a:t>
             </a:fld>
             <a:endParaRPr lang="en-US" dirty="0"/>
           </a:p>
@@ -8845,7 +8847,7 @@
             <a:fld id="{B61BEF0D-F0BB-DE4B-95CE-6DB70DBA9567}" type="datetimeFigureOut">
               <a:rPr lang="en-US" dirty="0"/>
               <a:pPr/>
-              <a:t>12/14/2015</a:t>
+              <a:t>12/23/2015</a:t>
             </a:fld>
             <a:endParaRPr lang="en-US" dirty="0"/>
           </a:p>
@@ -9118,7 +9120,7 @@
             <a:fld id="{B61BEF0D-F0BB-DE4B-95CE-6DB70DBA9567}" type="datetimeFigureOut">
               <a:rPr lang="en-US" dirty="0"/>
               <a:pPr/>
-              <a:t>12/14/2015</a:t>
+              <a:t>12/23/2015</a:t>
             </a:fld>
             <a:endParaRPr lang="en-US" dirty="0"/>
           </a:p>
@@ -9381,7 +9383,7 @@
             <a:fld id="{B61BEF0D-F0BB-DE4B-95CE-6DB70DBA9567}" type="datetimeFigureOut">
               <a:rPr lang="en-US" dirty="0"/>
               <a:pPr/>
-              <a:t>12/14/2015</a:t>
+              <a:t>12/23/2015</a:t>
             </a:fld>
             <a:endParaRPr lang="en-US" dirty="0"/>
           </a:p>
@@ -9752,7 +9754,7 @@
             <a:fld id="{B61BEF0D-F0BB-DE4B-95CE-6DB70DBA9567}" type="datetimeFigureOut">
               <a:rPr lang="en-US" dirty="0"/>
               <a:pPr/>
-              <a:t>12/14/2015</a:t>
+              <a:t>12/23/2015</a:t>
             </a:fld>
             <a:endParaRPr lang="en-US" dirty="0"/>
           </a:p>
@@ -9897,7 +9899,7 @@
             <a:fld id="{B61BEF0D-F0BB-DE4B-95CE-6DB70DBA9567}" type="datetimeFigureOut">
               <a:rPr lang="en-US" dirty="0"/>
               <a:pPr/>
-              <a:t>12/14/2015</a:t>
+              <a:t>12/23/2015</a:t>
             </a:fld>
             <a:endParaRPr lang="en-US" dirty="0"/>
           </a:p>
@@ -10019,7 +10021,7 @@
             <a:fld id="{B61BEF0D-F0BB-DE4B-95CE-6DB70DBA9567}" type="datetimeFigureOut">
               <a:rPr lang="en-US" dirty="0"/>
               <a:pPr/>
-              <a:t>12/14/2015</a:t>
+              <a:t>12/23/2015</a:t>
             </a:fld>
             <a:endParaRPr lang="en-US" dirty="0"/>
           </a:p>
@@ -10301,7 +10303,7 @@
             <a:fld id="{B61BEF0D-F0BB-DE4B-95CE-6DB70DBA9567}" type="datetimeFigureOut">
               <a:rPr lang="en-US" dirty="0"/>
               <a:pPr/>
-              <a:t>12/14/2015</a:t>
+              <a:t>12/23/2015</a:t>
             </a:fld>
             <a:endParaRPr lang="en-US" dirty="0"/>
           </a:p>
@@ -10622,7 +10624,7 @@
             <a:fld id="{B61BEF0D-F0BB-DE4B-95CE-6DB70DBA9567}" type="datetimeFigureOut">
               <a:rPr lang="en-US" dirty="0"/>
               <a:pPr/>
-              <a:t>12/14/2015</a:t>
+              <a:t>12/23/2015</a:t>
             </a:fld>
             <a:endParaRPr lang="en-US" dirty="0"/>
           </a:p>
@@ -10833,7 +10835,7 @@
             <a:fld id="{B61BEF0D-F0BB-DE4B-95CE-6DB70DBA9567}" type="datetimeFigureOut">
               <a:rPr lang="en-US" dirty="0"/>
               <a:pPr/>
-              <a:t>12/14/2015</a:t>
+              <a:t>12/23/2015</a:t>
             </a:fld>
             <a:endParaRPr lang="en-US" dirty="0"/>
           </a:p>
@@ -11393,11 +11395,11 @@
           <a:p>
             <a:r>
               <a:rPr lang="en-US" dirty="0" smtClean="0"/>
-              <a:t>W205 project 1, week </a:t>
+              <a:t>W205 </a:t>
             </a:r>
             <a:r>
               <a:rPr lang="en-US" dirty="0" smtClean="0"/>
-              <a:t>15</a:t>
+              <a:t>Final project</a:t>
             </a:r>
             <a:endParaRPr lang="en-US" dirty="0"/>
           </a:p>
@@ -11443,23 +11445,14 @@
             <p:ph type="title"/>
           </p:nvPr>
         </p:nvSpPr>
-        <p:spPr>
-          <a:xfrm>
-            <a:off x="685801" y="205563"/>
-            <a:ext cx="10131425" cy="1456267"/>
-          </a:xfrm>
-        </p:spPr>
+        <p:spPr/>
         <p:txBody>
           <a:bodyPr/>
           <a:lstStyle/>
           <a:p>
             <a:r>
               <a:rPr lang="en-US" dirty="0" smtClean="0"/>
-              <a:t>EXAMPLE </a:t>
-            </a:r>
-            <a:r>
-              <a:rPr lang="en-US" dirty="0" smtClean="0"/>
-              <a:t>1: </a:t>
+              <a:t>Data collected </a:t>
             </a:r>
             <a:endParaRPr lang="en-US" dirty="0"/>
           </a:p>
@@ -11467,56 +11460,37 @@
       </p:sp>
       <p:pic>
         <p:nvPicPr>
-          <p:cNvPr id="5" name="Picture 4"/>
+          <p:cNvPr id="4" name="Content Placeholder 3"/>
           <p:cNvPicPr>
-            <a:picLocks noChangeAspect="1"/>
+            <a:picLocks noGrp="1" noChangeAspect="1"/>
           </p:cNvPicPr>
-          <p:nvPr/>
+          <p:nvPr>
+            <p:ph idx="1"/>
+          </p:nvPr>
         </p:nvPicPr>
         <p:blipFill>
-          <a:blip r:embed="rId2"/>
+          <a:blip r:embed="rId2">
+            <a:extLst>
+              <a:ext uri="{28A0092B-C50C-407E-A947-70E740481C1C}">
+                <a14:useLocalDpi xmlns:a14="http://schemas.microsoft.com/office/drawing/2010/main" val="0"/>
+              </a:ext>
+            </a:extLst>
+          </a:blip>
           <a:stretch>
             <a:fillRect/>
           </a:stretch>
         </p:blipFill>
         <p:spPr>
           <a:xfrm>
-            <a:off x="3740656" y="1010092"/>
-            <a:ext cx="4421089" cy="2652653"/>
+            <a:off x="2669745" y="2265919"/>
+            <a:ext cx="6163535" cy="3400900"/>
           </a:xfrm>
-          <a:prstGeom prst="rect">
-            <a:avLst/>
-          </a:prstGeom>
-        </p:spPr>
-      </p:pic>
-      <p:pic>
-        <p:nvPicPr>
-          <p:cNvPr id="7" name="Picture 6"/>
-          <p:cNvPicPr>
-            <a:picLocks noChangeAspect="1"/>
-          </p:cNvPicPr>
-          <p:nvPr/>
-        </p:nvPicPr>
-        <p:blipFill>
-          <a:blip r:embed="rId3"/>
-          <a:stretch>
-            <a:fillRect/>
-          </a:stretch>
-        </p:blipFill>
-        <p:spPr>
-          <a:xfrm>
-            <a:off x="435932" y="3822233"/>
-            <a:ext cx="11030535" cy="2769200"/>
-          </a:xfrm>
-          <a:prstGeom prst="rect">
-            <a:avLst/>
-          </a:prstGeom>
         </p:spPr>
       </p:pic>
     </p:spTree>
     <p:extLst>
       <p:ext uri="{BB962C8B-B14F-4D97-AF65-F5344CB8AC3E}">
-        <p14:creationId xmlns:p14="http://schemas.microsoft.com/office/powerpoint/2010/main" val="4029036449"/>
+        <p14:creationId xmlns:p14="http://schemas.microsoft.com/office/powerpoint/2010/main" val="1875321603"/>
       </p:ext>
     </p:extLst>
   </p:cSld>
@@ -11553,6 +11527,333 @@
             <p:ph type="title"/>
           </p:nvPr>
         </p:nvSpPr>
+        <p:spPr/>
+        <p:txBody>
+          <a:bodyPr/>
+          <a:lstStyle/>
+          <a:p>
+            <a:r>
+              <a:rPr lang="en-US" dirty="0" smtClean="0"/>
+              <a:t>Visualize data </a:t>
+            </a:r>
+            <a:endParaRPr lang="en-US" dirty="0"/>
+          </a:p>
+        </p:txBody>
+      </p:sp>
+      <p:pic>
+        <p:nvPicPr>
+          <p:cNvPr id="4" name="Content Placeholder 3"/>
+          <p:cNvPicPr>
+            <a:picLocks noGrp="1" noChangeAspect="1"/>
+          </p:cNvPicPr>
+          <p:nvPr>
+            <p:ph idx="1"/>
+          </p:nvPr>
+        </p:nvPicPr>
+        <p:blipFill>
+          <a:blip r:embed="rId2">
+            <a:extLst>
+              <a:ext uri="{28A0092B-C50C-407E-A947-70E740481C1C}">
+                <a14:useLocalDpi xmlns:a14="http://schemas.microsoft.com/office/drawing/2010/main" val="0"/>
+              </a:ext>
+            </a:extLst>
+          </a:blip>
+          <a:stretch>
+            <a:fillRect/>
+          </a:stretch>
+        </p:blipFill>
+        <p:spPr>
+          <a:xfrm>
+            <a:off x="1564325" y="2929813"/>
+            <a:ext cx="8374375" cy="3649662"/>
+          </a:xfrm>
+        </p:spPr>
+      </p:pic>
+      <p:sp>
+        <p:nvSpPr>
+          <p:cNvPr id="5" name="Content Placeholder 2"/>
+          <p:cNvSpPr txBox="1">
+            <a:spLocks/>
+          </p:cNvSpPr>
+          <p:nvPr/>
+        </p:nvSpPr>
+        <p:spPr>
+          <a:xfrm>
+            <a:off x="685801" y="1085021"/>
+            <a:ext cx="10131425" cy="2807776"/>
+          </a:xfrm>
+          <a:prstGeom prst="rect">
+            <a:avLst/>
+          </a:prstGeom>
+        </p:spPr>
+        <p:txBody>
+          <a:bodyPr vert="horz" lIns="91440" tIns="45720" rIns="91440" bIns="45720" rtlCol="0" anchor="ctr">
+            <a:normAutofit/>
+          </a:bodyPr>
+          <a:lstStyle>
+            <a:lvl1pPr marL="285750" indent="-285750" algn="l" defTabSz="457200" rtl="0" eaLnBrk="1" latinLnBrk="0" hangingPunct="1">
+              <a:spcBef>
+                <a:spcPts val="0"/>
+              </a:spcBef>
+              <a:spcAft>
+                <a:spcPts val="1000"/>
+              </a:spcAft>
+              <a:buClr>
+                <a:schemeClr val="tx1"/>
+              </a:buClr>
+              <a:buSzPct val="100000"/>
+              <a:buFont typeface="Arial"/>
+              <a:buChar char="•"/>
+              <a:defRPr sz="1800" kern="1200" cap="none">
+                <a:solidFill>
+                  <a:schemeClr val="tx1"/>
+                </a:solidFill>
+                <a:effectLst/>
+                <a:latin typeface="+mn-lt"/>
+                <a:ea typeface="+mn-ea"/>
+                <a:cs typeface="+mn-cs"/>
+              </a:defRPr>
+            </a:lvl1pPr>
+            <a:lvl2pPr marL="742950" indent="-285750" algn="l" defTabSz="457200" rtl="0" eaLnBrk="1" latinLnBrk="0" hangingPunct="1">
+              <a:spcBef>
+                <a:spcPts val="0"/>
+              </a:spcBef>
+              <a:spcAft>
+                <a:spcPts val="1000"/>
+              </a:spcAft>
+              <a:buClr>
+                <a:schemeClr val="tx1"/>
+              </a:buClr>
+              <a:buSzPct val="100000"/>
+              <a:buFont typeface="Arial"/>
+              <a:buChar char="•"/>
+              <a:defRPr sz="1600" kern="1200" cap="none">
+                <a:solidFill>
+                  <a:schemeClr val="tx1"/>
+                </a:solidFill>
+                <a:effectLst/>
+                <a:latin typeface="+mn-lt"/>
+                <a:ea typeface="+mn-ea"/>
+                <a:cs typeface="+mn-cs"/>
+              </a:defRPr>
+            </a:lvl2pPr>
+            <a:lvl3pPr marL="1200150" indent="-285750" algn="l" defTabSz="457200" rtl="0" eaLnBrk="1" latinLnBrk="0" hangingPunct="1">
+              <a:spcBef>
+                <a:spcPts val="0"/>
+              </a:spcBef>
+              <a:spcAft>
+                <a:spcPts val="1000"/>
+              </a:spcAft>
+              <a:buClr>
+                <a:schemeClr val="tx1"/>
+              </a:buClr>
+              <a:buSzPct val="100000"/>
+              <a:buFont typeface="Arial"/>
+              <a:buChar char="•"/>
+              <a:defRPr sz="1400" kern="1200" cap="none">
+                <a:solidFill>
+                  <a:schemeClr val="tx1"/>
+                </a:solidFill>
+                <a:effectLst/>
+                <a:latin typeface="+mn-lt"/>
+                <a:ea typeface="+mn-ea"/>
+                <a:cs typeface="+mn-cs"/>
+              </a:defRPr>
+            </a:lvl3pPr>
+            <a:lvl4pPr marL="1543050" indent="-171450" algn="l" defTabSz="457200" rtl="0" eaLnBrk="1" latinLnBrk="0" hangingPunct="1">
+              <a:spcBef>
+                <a:spcPts val="0"/>
+              </a:spcBef>
+              <a:spcAft>
+                <a:spcPts val="1000"/>
+              </a:spcAft>
+              <a:buClr>
+                <a:schemeClr val="tx1"/>
+              </a:buClr>
+              <a:buSzPct val="100000"/>
+              <a:buFont typeface="Arial"/>
+              <a:buChar char="•"/>
+              <a:defRPr sz="1200" kern="1200" cap="none">
+                <a:solidFill>
+                  <a:schemeClr val="tx1"/>
+                </a:solidFill>
+                <a:effectLst/>
+                <a:latin typeface="+mn-lt"/>
+                <a:ea typeface="+mn-ea"/>
+                <a:cs typeface="+mn-cs"/>
+              </a:defRPr>
+            </a:lvl4pPr>
+            <a:lvl5pPr marL="2000250" indent="-171450" algn="l" defTabSz="457200" rtl="0" eaLnBrk="1" latinLnBrk="0" hangingPunct="1">
+              <a:spcBef>
+                <a:spcPts val="0"/>
+              </a:spcBef>
+              <a:spcAft>
+                <a:spcPts val="1000"/>
+              </a:spcAft>
+              <a:buClr>
+                <a:schemeClr val="tx1"/>
+              </a:buClr>
+              <a:buSzPct val="100000"/>
+              <a:buFont typeface="Arial"/>
+              <a:buChar char="•"/>
+              <a:defRPr sz="1200" kern="1200" cap="none">
+                <a:solidFill>
+                  <a:schemeClr val="tx1"/>
+                </a:solidFill>
+                <a:effectLst/>
+                <a:latin typeface="+mn-lt"/>
+                <a:ea typeface="+mn-ea"/>
+                <a:cs typeface="+mn-cs"/>
+              </a:defRPr>
+            </a:lvl5pPr>
+            <a:lvl6pPr marL="2514600" indent="-228600" algn="l" defTabSz="457200" rtl="0" eaLnBrk="1" latinLnBrk="0" hangingPunct="1">
+              <a:spcBef>
+                <a:spcPts val="0"/>
+              </a:spcBef>
+              <a:spcAft>
+                <a:spcPts val="1000"/>
+              </a:spcAft>
+              <a:buClr>
+                <a:schemeClr val="tx1"/>
+              </a:buClr>
+              <a:buSzPct val="100000"/>
+              <a:buFont typeface="Arial"/>
+              <a:buChar char="•"/>
+              <a:defRPr sz="1200" kern="1200" cap="none">
+                <a:solidFill>
+                  <a:schemeClr val="tx1"/>
+                </a:solidFill>
+                <a:effectLst/>
+                <a:latin typeface="+mn-lt"/>
+                <a:ea typeface="+mn-ea"/>
+                <a:cs typeface="+mn-cs"/>
+              </a:defRPr>
+            </a:lvl6pPr>
+            <a:lvl7pPr marL="2971800" indent="-228600" algn="l" defTabSz="457200" rtl="0" eaLnBrk="1" latinLnBrk="0" hangingPunct="1">
+              <a:spcBef>
+                <a:spcPts val="0"/>
+              </a:spcBef>
+              <a:spcAft>
+                <a:spcPts val="1000"/>
+              </a:spcAft>
+              <a:buClr>
+                <a:schemeClr val="tx1"/>
+              </a:buClr>
+              <a:buSzPct val="100000"/>
+              <a:buFont typeface="Arial"/>
+              <a:buChar char="•"/>
+              <a:defRPr sz="1200" kern="1200" cap="none">
+                <a:solidFill>
+                  <a:schemeClr val="tx1"/>
+                </a:solidFill>
+                <a:effectLst/>
+                <a:latin typeface="+mn-lt"/>
+                <a:ea typeface="+mn-ea"/>
+                <a:cs typeface="+mn-cs"/>
+              </a:defRPr>
+            </a:lvl7pPr>
+            <a:lvl8pPr marL="3429000" indent="-228600" algn="l" defTabSz="457200" rtl="0" eaLnBrk="1" latinLnBrk="0" hangingPunct="1">
+              <a:spcBef>
+                <a:spcPts val="0"/>
+              </a:spcBef>
+              <a:spcAft>
+                <a:spcPts val="1000"/>
+              </a:spcAft>
+              <a:buClr>
+                <a:schemeClr val="tx1"/>
+              </a:buClr>
+              <a:buSzPct val="100000"/>
+              <a:buFont typeface="Arial"/>
+              <a:buChar char="•"/>
+              <a:defRPr sz="1200" kern="1200" cap="none">
+                <a:solidFill>
+                  <a:schemeClr val="tx1"/>
+                </a:solidFill>
+                <a:effectLst/>
+                <a:latin typeface="+mn-lt"/>
+                <a:ea typeface="+mn-ea"/>
+                <a:cs typeface="+mn-cs"/>
+              </a:defRPr>
+            </a:lvl8pPr>
+            <a:lvl9pPr marL="3886200" indent="-228600" algn="l" defTabSz="457200" rtl="0" eaLnBrk="1" latinLnBrk="0" hangingPunct="1">
+              <a:spcBef>
+                <a:spcPts val="0"/>
+              </a:spcBef>
+              <a:spcAft>
+                <a:spcPts val="1000"/>
+              </a:spcAft>
+              <a:buClr>
+                <a:schemeClr val="tx1"/>
+              </a:buClr>
+              <a:buSzPct val="100000"/>
+              <a:buFont typeface="Arial"/>
+              <a:buChar char="•"/>
+              <a:defRPr sz="1200" kern="1200" cap="none">
+                <a:solidFill>
+                  <a:schemeClr val="tx1"/>
+                </a:solidFill>
+                <a:effectLst/>
+                <a:latin typeface="+mn-lt"/>
+                <a:ea typeface="+mn-ea"/>
+                <a:cs typeface="+mn-cs"/>
+              </a:defRPr>
+            </a:lvl9pPr>
+          </a:lstStyle>
+          <a:p>
+            <a:r>
+              <a:rPr lang="en-US" dirty="0" smtClean="0"/>
+              <a:t>We monitor our data pipeline in Microsoft Power BI website. </a:t>
+            </a:r>
+          </a:p>
+          <a:p>
+            <a:r>
+              <a:rPr lang="en-US" dirty="0" smtClean="0"/>
+              <a:t>We can also easily view this chart from iPhone or tablet. </a:t>
+            </a:r>
+            <a:endParaRPr lang="en-US" dirty="0"/>
+          </a:p>
+        </p:txBody>
+      </p:sp>
+    </p:spTree>
+    <p:extLst>
+      <p:ext uri="{BB962C8B-B14F-4D97-AF65-F5344CB8AC3E}">
+        <p14:creationId xmlns:p14="http://schemas.microsoft.com/office/powerpoint/2010/main" val="2439397905"/>
+      </p:ext>
+    </p:extLst>
+  </p:cSld>
+  <p:clrMapOvr>
+    <a:masterClrMapping/>
+  </p:clrMapOvr>
+</p:sld>
+</file>
+
+<file path=ppt/slides/slide12.xml><?xml version="1.0" encoding="utf-8"?>
+<p:sld xmlns:a="http://schemas.openxmlformats.org/drawingml/2006/main" xmlns:r="http://schemas.openxmlformats.org/officeDocument/2006/relationships" xmlns:p="http://schemas.openxmlformats.org/presentationml/2006/main">
+  <p:cSld>
+    <p:spTree>
+      <p:nvGrpSpPr>
+        <p:cNvPr id="1" name=""/>
+        <p:cNvGrpSpPr/>
+        <p:nvPr/>
+      </p:nvGrpSpPr>
+      <p:grpSpPr>
+        <a:xfrm>
+          <a:off x="0" y="0"/>
+          <a:ext cx="0" cy="0"/>
+          <a:chOff x="0" y="0"/>
+          <a:chExt cx="0" cy="0"/>
+        </a:xfrm>
+      </p:grpSpPr>
+      <p:sp>
+        <p:nvSpPr>
+          <p:cNvPr id="2" name="Title 1"/>
+          <p:cNvSpPr>
+            <a:spLocks noGrp="1"/>
+          </p:cNvSpPr>
+          <p:nvPr>
+            <p:ph type="title"/>
+          </p:nvPr>
+        </p:nvSpPr>
         <p:spPr>
           <a:xfrm>
             <a:off x="685801" y="205563"/>
@@ -11565,8 +11866,129 @@
           <a:p>
             <a:r>
               <a:rPr lang="en-US" dirty="0" smtClean="0"/>
-              <a:t>EXAMPLE 2: </a:t>
-            </a:r>
+              <a:t>LOOKING </a:t>
+            </a:r>
+            <a:r>
+              <a:rPr lang="en-US" dirty="0" smtClean="0"/>
+              <a:t>AT CAUSES OF FLUCTUATION</a:t>
+            </a:r>
+            <a:endParaRPr lang="en-US" dirty="0"/>
+          </a:p>
+        </p:txBody>
+      </p:sp>
+      <p:sp>
+        <p:nvSpPr>
+          <p:cNvPr id="3" name="Content Placeholder 2"/>
+          <p:cNvSpPr>
+            <a:spLocks noGrp="1"/>
+          </p:cNvSpPr>
+          <p:nvPr>
+            <p:ph idx="1"/>
+          </p:nvPr>
+        </p:nvSpPr>
+        <p:spPr>
+          <a:xfrm>
+            <a:off x="755543" y="4707102"/>
+            <a:ext cx="10131425" cy="2807776"/>
+          </a:xfrm>
+        </p:spPr>
+        <p:txBody>
+          <a:bodyPr/>
+          <a:lstStyle/>
+          <a:p>
+            <a:r>
+              <a:rPr lang="en-US" dirty="0" smtClean="0"/>
+              <a:t>In this example, we change the inputs and data transformation</a:t>
+            </a:r>
+          </a:p>
+          <a:p>
+            <a:r>
+              <a:rPr lang="en-US" dirty="0" smtClean="0"/>
+              <a:t>look at multiple data sources for week to week: total tweets mentioning artist &amp; song, change from previous week billboard chart, change in google hits</a:t>
+            </a:r>
+          </a:p>
+          <a:p>
+            <a:pPr marL="0" indent="0">
+              <a:buNone/>
+            </a:pPr>
+            <a:endParaRPr lang="en-US" dirty="0"/>
+          </a:p>
+        </p:txBody>
+      </p:sp>
+      <p:pic>
+        <p:nvPicPr>
+          <p:cNvPr id="4" name="Picture 3"/>
+          <p:cNvPicPr>
+            <a:picLocks noChangeAspect="1"/>
+          </p:cNvPicPr>
+          <p:nvPr/>
+        </p:nvPicPr>
+        <p:blipFill>
+          <a:blip r:embed="rId2"/>
+          <a:stretch>
+            <a:fillRect/>
+          </a:stretch>
+        </p:blipFill>
+        <p:spPr>
+          <a:xfrm>
+            <a:off x="840786" y="1525499"/>
+            <a:ext cx="9015595" cy="3265555"/>
+          </a:xfrm>
+          <a:prstGeom prst="rect">
+            <a:avLst/>
+          </a:prstGeom>
+        </p:spPr>
+      </p:pic>
+    </p:spTree>
+    <p:extLst>
+      <p:ext uri="{BB962C8B-B14F-4D97-AF65-F5344CB8AC3E}">
+        <p14:creationId xmlns:p14="http://schemas.microsoft.com/office/powerpoint/2010/main" val="2494791903"/>
+      </p:ext>
+    </p:extLst>
+  </p:cSld>
+  <p:clrMapOvr>
+    <a:masterClrMapping/>
+  </p:clrMapOvr>
+</p:sld>
+</file>
+
+<file path=ppt/slides/slide13.xml><?xml version="1.0" encoding="utf-8"?>
+<p:sld xmlns:a="http://schemas.openxmlformats.org/drawingml/2006/main" xmlns:r="http://schemas.openxmlformats.org/officeDocument/2006/relationships" xmlns:p="http://schemas.openxmlformats.org/presentationml/2006/main">
+  <p:cSld>
+    <p:spTree>
+      <p:nvGrpSpPr>
+        <p:cNvPr id="1" name=""/>
+        <p:cNvGrpSpPr/>
+        <p:nvPr/>
+      </p:nvGrpSpPr>
+      <p:grpSpPr>
+        <a:xfrm>
+          <a:off x="0" y="0"/>
+          <a:ext cx="0" cy="0"/>
+          <a:chOff x="0" y="0"/>
+          <a:chExt cx="0" cy="0"/>
+        </a:xfrm>
+      </p:grpSpPr>
+      <p:sp>
+        <p:nvSpPr>
+          <p:cNvPr id="2" name="Title 1"/>
+          <p:cNvSpPr>
+            <a:spLocks noGrp="1"/>
+          </p:cNvSpPr>
+          <p:nvPr>
+            <p:ph type="title"/>
+          </p:nvPr>
+        </p:nvSpPr>
+        <p:spPr>
+          <a:xfrm>
+            <a:off x="685801" y="205563"/>
+            <a:ext cx="10131425" cy="1456267"/>
+          </a:xfrm>
+        </p:spPr>
+        <p:txBody>
+          <a:bodyPr/>
+          <a:lstStyle/>
+          <a:p>
             <a:endParaRPr lang="en-US" dirty="0"/>
           </a:p>
         </p:txBody>
@@ -11632,7 +12054,7 @@
 </p:sld>
 </file>
 
-<file path=ppt/slides/slide12.xml><?xml version="1.0" encoding="utf-8"?>
+<file path=ppt/slides/slide14.xml><?xml version="1.0" encoding="utf-8"?>
 <p:sld xmlns:a="http://schemas.openxmlformats.org/drawingml/2006/main" xmlns:r="http://schemas.openxmlformats.org/officeDocument/2006/relationships" xmlns:p="http://schemas.openxmlformats.org/presentationml/2006/main">
   <p:cSld>
     <p:spTree>
@@ -11690,7 +12112,7 @@
         <p:spPr>
           <a:xfrm>
             <a:off x="755543" y="1251521"/>
-            <a:ext cx="10131425" cy="2807776"/>
+            <a:ext cx="10131425" cy="3972120"/>
           </a:xfrm>
         </p:spPr>
         <p:txBody>
@@ -11699,8 +12121,15 @@
           <a:p>
             <a:r>
               <a:rPr lang="en-US" dirty="0" smtClean="0"/>
-              <a:t>Make connection between UNDERSTAND, ENABLE, &amp; ITERATE process in real time</a:t>
-            </a:r>
+              <a:t>Explore more data sources, not just tweet </a:t>
+            </a:r>
+          </a:p>
+          <a:p>
+            <a:r>
+              <a:rPr lang="en-US" dirty="0" smtClean="0"/>
+              <a:t>Explore more songs, the API we use allow us to get 15 artists per genre, and 100 songs per artist, we are only exploring 1 song from 1 artist per genre for now. </a:t>
+            </a:r>
+            <a:endParaRPr lang="en-US" dirty="0" smtClean="0"/>
           </a:p>
           <a:p>
             <a:r>
@@ -11717,10 +12146,19 @@
           <a:p>
             <a:r>
               <a:rPr lang="en-US" dirty="0" smtClean="0"/>
-              <a:t>Automate reporting to visualization layer</a:t>
-            </a:r>
-          </a:p>
-          <a:p>
+              <a:t>Automate reporting to visualization </a:t>
+            </a:r>
+            <a:r>
+              <a:rPr lang="en-US" dirty="0" smtClean="0"/>
+              <a:t>layer, currently some parts are manual. </a:t>
+            </a:r>
+            <a:endParaRPr lang="en-US" dirty="0" smtClean="0"/>
+          </a:p>
+          <a:p>
+            <a:r>
+              <a:rPr lang="en-US" dirty="0" smtClean="0"/>
+              <a:t>Bug fixes if needed. </a:t>
+            </a:r>
             <a:endParaRPr lang="en-US" dirty="0" smtClean="0"/>
           </a:p>
           <a:p>
@@ -11986,8 +12424,13 @@
             </a:pPr>
             <a:r>
               <a:rPr lang="en-US" b="1" dirty="0" smtClean="0"/>
-              <a:t>UNDERSTAND – determine the best predictors for a song’s success</a:t>
-            </a:r>
+              <a:t>UNDERSTAND – determine the best predictors for a song’s </a:t>
+            </a:r>
+            <a:r>
+              <a:rPr lang="en-US" b="1" dirty="0" smtClean="0"/>
+              <a:t>success</a:t>
+            </a:r>
+            <a:endParaRPr lang="en-US" b="1" dirty="0" smtClean="0"/>
           </a:p>
           <a:p>
             <a:pPr marL="800100" lvl="1" indent="-342900">
@@ -12006,7 +12449,11 @@
             </a:pPr>
             <a:r>
               <a:rPr lang="en-US" b="1" dirty="0" smtClean="0"/>
-              <a:t>ITERATE – continually reconcile prediction effectiveness against actual outcome</a:t>
+              <a:t>ITERATE </a:t>
+            </a:r>
+            <a:r>
+              <a:rPr lang="en-US" b="1" dirty="0" smtClean="0"/>
+              <a:t>– continually reconcile prediction effectiveness against actual outcome</a:t>
             </a:r>
             <a:endParaRPr lang="en-US" b="1" dirty="0"/>
           </a:p>
@@ -12383,7 +12830,11 @@
           <a:p>
             <a:r>
               <a:rPr lang="en-US" dirty="0" smtClean="0"/>
-              <a:t>DATA TRANSFORMATION</a:t>
+              <a:t>Get data from public </a:t>
+            </a:r>
+            <a:r>
+              <a:rPr lang="en-US" dirty="0" err="1" smtClean="0"/>
+              <a:t>api</a:t>
             </a:r>
             <a:endParaRPr lang="en-US" dirty="0"/>
           </a:p>
@@ -12399,92 +12850,137 @@
             <p:ph idx="1"/>
           </p:nvPr>
         </p:nvSpPr>
-        <p:spPr>
-          <a:xfrm>
-            <a:off x="685801" y="1248932"/>
-            <a:ext cx="10131425" cy="3649133"/>
-          </a:xfrm>
-        </p:spPr>
+        <p:spPr/>
         <p:txBody>
-          <a:bodyPr/>
+          <a:bodyPr>
+            <a:normAutofit fontScale="77500" lnSpcReduction="20000"/>
+          </a:bodyPr>
           <a:lstStyle/>
           <a:p>
             <a:r>
               <a:rPr lang="en-US" dirty="0" smtClean="0"/>
-              <a:t>After setting up the data pipeline. We take averages of predictor data for 1 month leading up to song’s peak position on Billboard charts</a:t>
-            </a:r>
+              <a:t>We investigated:</a:t>
+            </a:r>
+          </a:p>
+          <a:p>
+            <a:pPr lvl="1"/>
+            <a:r>
+              <a:rPr lang="en-US" dirty="0"/>
+              <a:t>Sound Cloud(https://developers.soundcloud.com/docs/api/reference#comments )</a:t>
+            </a:r>
+          </a:p>
+          <a:p>
+            <a:pPr lvl="1"/>
+            <a:r>
+              <a:rPr lang="en-US" dirty="0"/>
+              <a:t>YouTube(https://developers.google.com/youtube/v3/docs/videos )</a:t>
+            </a:r>
+          </a:p>
+          <a:p>
+            <a:pPr lvl="1"/>
+            <a:r>
+              <a:rPr lang="en-US" dirty="0"/>
+              <a:t>Twitter(https://dev.twitter.com/rest/reference/get/search/tweets )</a:t>
+            </a:r>
+          </a:p>
+          <a:p>
+            <a:pPr lvl="1"/>
+            <a:r>
+              <a:rPr lang="en-US" dirty="0"/>
+              <a:t>iTunes(https://www.apple.com/itunes/affiliates/resources/documentation/itunes-store-web-service-search-api.html )</a:t>
+            </a:r>
+          </a:p>
+          <a:p>
+            <a:pPr lvl="1"/>
+            <a:r>
+              <a:rPr lang="en-US" dirty="0" err="1"/>
+              <a:t>lastfm</a:t>
+            </a:r>
+            <a:r>
+              <a:rPr lang="en-US" dirty="0"/>
+              <a:t>(http://www.last.fm/api )</a:t>
+            </a:r>
+          </a:p>
+          <a:p>
+            <a:pPr lvl="1"/>
+            <a:r>
+              <a:rPr lang="en-US" dirty="0" err="1"/>
+              <a:t>facebook</a:t>
+            </a:r>
+            <a:r>
+              <a:rPr lang="en-US" dirty="0"/>
+              <a:t> likes for singer or band(http://stackoverflow.com/questions/9728279/getting-the-facebook-like-share-count-for-a-given-url )</a:t>
+            </a:r>
+          </a:p>
+          <a:p>
+            <a:pPr lvl="1"/>
+            <a:r>
+              <a:rPr lang="en-US" dirty="0" err="1"/>
+              <a:t>Echonest</a:t>
+            </a:r>
+            <a:r>
+              <a:rPr lang="en-US" dirty="0"/>
+              <a:t>(http://developer.echonest.com/docs/v4/)</a:t>
+            </a:r>
+          </a:p>
+          <a:p>
+            <a:pPr lvl="1"/>
+            <a:endParaRPr lang="en-US" dirty="0" smtClean="0"/>
           </a:p>
           <a:p>
             <a:r>
               <a:rPr lang="en-US" dirty="0" smtClean="0"/>
-              <a:t>Then factor correlated factors into predictive model and run against future songs</a:t>
-            </a:r>
-          </a:p>
-          <a:p>
+              <a:t>We decided to use:</a:t>
+            </a:r>
+          </a:p>
+          <a:p>
+            <a:pPr lvl="1"/>
+            <a:r>
+              <a:rPr lang="en-US" dirty="0" err="1"/>
+              <a:t>Echonest</a:t>
+            </a:r>
+            <a:r>
+              <a:rPr lang="en-US" dirty="0"/>
+              <a:t>(</a:t>
+            </a:r>
+            <a:r>
+              <a:rPr lang="en-US" dirty="0">
+                <a:hlinkClick r:id="rId2"/>
+              </a:rPr>
+              <a:t>http://developer.echonest.com/docs/v4</a:t>
+            </a:r>
+            <a:r>
+              <a:rPr lang="en-US" dirty="0" smtClean="0">
+                <a:hlinkClick r:id="rId2"/>
+              </a:rPr>
+              <a:t>/</a:t>
+            </a:r>
             <a:r>
               <a:rPr lang="en-US" dirty="0" smtClean="0"/>
-              <a:t>Data Structure: </a:t>
-            </a:r>
-            <a:r>
-              <a:rPr lang="en-US" dirty="0" err="1" smtClean="0"/>
-              <a:t>Semistructured</a:t>
-            </a:r>
-            <a:endParaRPr lang="en-US" dirty="0" smtClean="0"/>
-          </a:p>
-          <a:p>
+              <a:t>)</a:t>
+            </a:r>
+          </a:p>
+          <a:p>
+            <a:pPr lvl="1"/>
+            <a:r>
+              <a:rPr lang="en-US" dirty="0"/>
+              <a:t>Twitter(https://dev.twitter.com/rest/reference/get/search/tweets </a:t>
+            </a:r>
             <a:r>
               <a:rPr lang="en-US" dirty="0" smtClean="0"/>
-              <a:t>Size: M-L</a:t>
-            </a:r>
-          </a:p>
-          <a:p>
-            <a:r>
-              <a:rPr lang="en-US" dirty="0" smtClean="0"/>
-              <a:t>Processing Time: Short-Medium</a:t>
-            </a:r>
-          </a:p>
-          <a:p>
-            <a:r>
-              <a:rPr lang="en-US" dirty="0" smtClean="0"/>
-              <a:t>Schema on Read</a:t>
-            </a:r>
-          </a:p>
-          <a:p>
-            <a:pPr marL="0" indent="0">
-              <a:buNone/>
-            </a:pPr>
+              <a:t>)</a:t>
+            </a:r>
+          </a:p>
+          <a:p>
+            <a:pPr lvl="1"/>
             <a:endParaRPr lang="en-US" dirty="0"/>
           </a:p>
         </p:txBody>
       </p:sp>
-      <p:pic>
-        <p:nvPicPr>
-          <p:cNvPr id="4" name="Picture 3"/>
-          <p:cNvPicPr>
-            <a:picLocks noChangeAspect="1"/>
-          </p:cNvPicPr>
-          <p:nvPr/>
-        </p:nvPicPr>
-        <p:blipFill>
-          <a:blip r:embed="rId2"/>
-          <a:stretch>
-            <a:fillRect/>
-          </a:stretch>
-        </p:blipFill>
-        <p:spPr>
-          <a:xfrm>
-            <a:off x="4843133" y="4775966"/>
-            <a:ext cx="2295525" cy="1657350"/>
-          </a:xfrm>
-          <a:prstGeom prst="rect">
-            <a:avLst/>
-          </a:prstGeom>
-        </p:spPr>
-      </p:pic>
     </p:spTree>
     <p:extLst>
       <p:ext uri="{BB962C8B-B14F-4D97-AF65-F5344CB8AC3E}">
-        <p14:creationId xmlns:p14="http://schemas.microsoft.com/office/powerpoint/2010/main" val="2212255642"/>
+        <p14:creationId xmlns:p14="http://schemas.microsoft.com/office/powerpoint/2010/main" val="1597777282"/>
       </p:ext>
     </p:extLst>
   </p:cSld>
@@ -12521,19 +13017,14 @@
             <p:ph type="title"/>
           </p:nvPr>
         </p:nvSpPr>
-        <p:spPr>
-          <a:xfrm>
-            <a:off x="685801" y="205563"/>
-            <a:ext cx="10131425" cy="1456267"/>
-          </a:xfrm>
-        </p:spPr>
+        <p:spPr/>
         <p:txBody>
           <a:bodyPr/>
           <a:lstStyle/>
           <a:p>
             <a:r>
               <a:rPr lang="en-US" dirty="0" smtClean="0"/>
-              <a:t>Proof of Concept example: DRAKE</a:t>
+              <a:t>Data in google refine</a:t>
             </a:r>
             <a:endParaRPr lang="en-US" dirty="0"/>
           </a:p>
@@ -12541,11 +13032,13 @@
       </p:sp>
       <p:pic>
         <p:nvPicPr>
-          <p:cNvPr id="1026" name="Picture 2" descr="http://img2.timeinc.net/people/i/2015/stylewatch/blog/151102/drake-600x450.jpg"/>
+          <p:cNvPr id="4" name="Content Placeholder 3"/>
           <p:cNvPicPr>
-            <a:picLocks noChangeAspect="1" noChangeArrowheads="1"/>
+            <a:picLocks noGrp="1" noChangeAspect="1"/>
           </p:cNvPicPr>
-          <p:nvPr/>
+          <p:nvPr>
+            <p:ph idx="1"/>
+          </p:nvPr>
         </p:nvPicPr>
         <p:blipFill>
           <a:blip r:embed="rId2">
@@ -12555,104 +13048,21 @@
               </a:ext>
             </a:extLst>
           </a:blip>
-          <a:srcRect/>
-          <a:stretch>
-            <a:fillRect/>
-          </a:stretch>
-        </p:blipFill>
-        <p:spPr bwMode="auto">
-          <a:xfrm>
-            <a:off x="8846213" y="205563"/>
-            <a:ext cx="3000973" cy="2250731"/>
-          </a:xfrm>
-          <a:prstGeom prst="rect">
-            <a:avLst/>
-          </a:prstGeom>
-          <a:noFill/>
-          <a:extLst>
-            <a:ext uri="{909E8E84-426E-40DD-AFC4-6F175D3DCCD1}">
-              <a14:hiddenFill xmlns:a14="http://schemas.microsoft.com/office/drawing/2010/main">
-                <a:solidFill>
-                  <a:srgbClr val="FFFFFF"/>
-                </a:solidFill>
-              </a14:hiddenFill>
-            </a:ext>
-          </a:extLst>
-        </p:spPr>
-      </p:pic>
-      <p:sp>
-        <p:nvSpPr>
-          <p:cNvPr id="3" name="Content Placeholder 2"/>
-          <p:cNvSpPr>
-            <a:spLocks noGrp="1"/>
-          </p:cNvSpPr>
-          <p:nvPr>
-            <p:ph idx="1"/>
-          </p:nvPr>
-        </p:nvSpPr>
-        <p:spPr>
-          <a:xfrm>
-            <a:off x="755543" y="4308529"/>
-            <a:ext cx="10131425" cy="2807776"/>
-          </a:xfrm>
-        </p:spPr>
-        <p:txBody>
-          <a:bodyPr/>
-          <a:lstStyle/>
-          <a:p>
-            <a:r>
-              <a:rPr lang="en-US" dirty="0" smtClean="0"/>
-              <a:t>For pilot example, scrape list of all Drake song’s that reached Billboard top 100 charts, get the date it reached the peak, and the peak position it reached</a:t>
-            </a:r>
-          </a:p>
-          <a:p>
-            <a:r>
-              <a:rPr lang="en-US" dirty="0" smtClean="0"/>
-              <a:t>For predictive data, leverage google results for “Drake” query and take average for 1 month prior                  to each song’s peak position date</a:t>
-            </a:r>
-          </a:p>
-          <a:p>
-            <a:r>
-              <a:rPr lang="en-US" dirty="0" smtClean="0"/>
-              <a:t>Run correlation to determine relationship</a:t>
-            </a:r>
-          </a:p>
-          <a:p>
-            <a:pPr marL="0" indent="0">
-              <a:buNone/>
-            </a:pPr>
-            <a:endParaRPr lang="en-US" dirty="0"/>
-          </a:p>
-        </p:txBody>
-      </p:sp>
-      <p:pic>
-        <p:nvPicPr>
-          <p:cNvPr id="5" name="Picture 4"/>
-          <p:cNvPicPr>
-            <a:picLocks noChangeAspect="1"/>
-          </p:cNvPicPr>
-          <p:nvPr/>
-        </p:nvPicPr>
-        <p:blipFill>
-          <a:blip r:embed="rId3"/>
           <a:stretch>
             <a:fillRect/>
           </a:stretch>
         </p:blipFill>
         <p:spPr>
           <a:xfrm>
-            <a:off x="685801" y="1756431"/>
-            <a:ext cx="10421570" cy="2804491"/>
+            <a:off x="2172651" y="2141538"/>
+            <a:ext cx="7157722" cy="3649662"/>
           </a:xfrm>
-          <a:prstGeom prst="rect">
-            <a:avLst/>
-          </a:prstGeom>
         </p:spPr>
       </p:pic>
     </p:spTree>
     <p:extLst>
       <p:ext uri="{BB962C8B-B14F-4D97-AF65-F5344CB8AC3E}">
-        <p14:creationId xmlns:p14="http://schemas.microsoft.com/office/powerpoint/2010/main" val="1114822971"/>
+        <p14:creationId xmlns:p14="http://schemas.microsoft.com/office/powerpoint/2010/main" val="1014897200"/>
       </p:ext>
     </p:extLst>
   </p:cSld>
@@ -12689,19 +13099,14 @@
             <p:ph type="title"/>
           </p:nvPr>
         </p:nvSpPr>
-        <p:spPr>
-          <a:xfrm>
-            <a:off x="685801" y="300164"/>
-            <a:ext cx="10131425" cy="1456267"/>
-          </a:xfrm>
-        </p:spPr>
+        <p:spPr/>
         <p:txBody>
           <a:bodyPr/>
           <a:lstStyle/>
           <a:p>
             <a:r>
               <a:rPr lang="en-US" dirty="0" smtClean="0"/>
-              <a:t>Proof of Concept example: DRAKE (Cont.)</a:t>
+              <a:t>DATA TRANSFORMATION</a:t>
             </a:r>
             <a:endParaRPr lang="en-US" dirty="0"/>
           </a:p>
@@ -12709,7 +13114,7 @@
       </p:sp>
       <p:sp>
         <p:nvSpPr>
-          <p:cNvPr id="4" name="Content Placeholder 3"/>
+          <p:cNvPr id="3" name="Content Placeholder 2"/>
           <p:cNvSpPr>
             <a:spLocks noGrp="1"/>
           </p:cNvSpPr>
@@ -12717,37 +13122,115 @@
             <p:ph idx="1"/>
           </p:nvPr>
         </p:nvSpPr>
-        <p:spPr/>
+        <p:spPr>
+          <a:xfrm>
+            <a:off x="685801" y="1248932"/>
+            <a:ext cx="10131425" cy="3649133"/>
+          </a:xfrm>
+        </p:spPr>
         <p:txBody>
-          <a:bodyPr anchor="t"/>
+          <a:bodyPr/>
           <a:lstStyle/>
           <a:p>
             <a:r>
               <a:rPr lang="en-US" dirty="0" smtClean="0"/>
-              <a:t>0.7635 coefficient with .0518 significance in google query’s predictive abilities</a:t>
-            </a:r>
+              <a:t>After setting up the data pipeline. We </a:t>
+            </a:r>
+            <a:r>
+              <a:rPr lang="en-US" dirty="0" smtClean="0"/>
+              <a:t>transformed </a:t>
+            </a:r>
+            <a:r>
+              <a:rPr lang="en-US" dirty="0" err="1" smtClean="0"/>
+              <a:t>json</a:t>
+            </a:r>
+            <a:r>
+              <a:rPr lang="en-US" dirty="0" smtClean="0"/>
+              <a:t> data into relational data and imported into </a:t>
+            </a:r>
+            <a:r>
+              <a:rPr lang="en-US" dirty="0" err="1" smtClean="0"/>
+              <a:t>postgres</a:t>
+            </a:r>
+            <a:r>
+              <a:rPr lang="en-US" dirty="0" smtClean="0"/>
+              <a:t> DB. </a:t>
+            </a:r>
+            <a:endParaRPr lang="en-US" dirty="0" smtClean="0"/>
+          </a:p>
+          <a:p>
+            <a:r>
+              <a:rPr lang="en-US" dirty="0" smtClean="0"/>
+              <a:t>Then </a:t>
+            </a:r>
+            <a:r>
+              <a:rPr lang="en-US" dirty="0" smtClean="0"/>
+              <a:t>added data attribute we need to enrich, such as tweet count, and song hotness. </a:t>
+            </a:r>
+            <a:endParaRPr lang="en-US" dirty="0" smtClean="0"/>
+          </a:p>
+          <a:p>
+            <a:r>
+              <a:rPr lang="en-US" dirty="0" smtClean="0"/>
+              <a:t>Data Structure: </a:t>
+            </a:r>
+            <a:r>
+              <a:rPr lang="en-US" dirty="0" err="1" smtClean="0"/>
+              <a:t>Json</a:t>
+            </a:r>
+            <a:r>
+              <a:rPr lang="en-US" dirty="0"/>
+              <a:t> </a:t>
+            </a:r>
+            <a:endParaRPr lang="en-US" dirty="0" smtClean="0"/>
+          </a:p>
+          <a:p>
+            <a:r>
+              <a:rPr lang="en-US" dirty="0" smtClean="0"/>
+              <a:t>Size: M-L</a:t>
+            </a:r>
+          </a:p>
+          <a:p>
+            <a:r>
+              <a:rPr lang="en-US" dirty="0" smtClean="0"/>
+              <a:t>Processing Time: Short-Medium</a:t>
+            </a:r>
+          </a:p>
+          <a:p>
+            <a:endParaRPr lang="en-US" dirty="0" smtClean="0"/>
+          </a:p>
+          <a:p>
+            <a:pPr marL="0" indent="0">
+              <a:buNone/>
+            </a:pPr>
             <a:endParaRPr lang="en-US" dirty="0"/>
           </a:p>
         </p:txBody>
       </p:sp>
       <p:pic>
         <p:nvPicPr>
-          <p:cNvPr id="6" name="Picture 5"/>
+          <p:cNvPr id="5" name="Picture 4"/>
           <p:cNvPicPr>
             <a:picLocks noChangeAspect="1"/>
           </p:cNvPicPr>
           <p:nvPr/>
         </p:nvPicPr>
         <p:blipFill>
-          <a:blip r:embed="rId2"/>
+          <a:blip r:embed="rId2">
+            <a:extLst>
+              <a:ext uri="{28A0092B-C50C-407E-A947-70E740481C1C}">
+                <a14:useLocalDpi xmlns:a14="http://schemas.microsoft.com/office/drawing/2010/main" val="0"/>
+              </a:ext>
+            </a:extLst>
+          </a:blip>
           <a:stretch>
             <a:fillRect/>
           </a:stretch>
         </p:blipFill>
         <p:spPr>
           <a:xfrm>
-            <a:off x="2204768" y="2663627"/>
-            <a:ext cx="5673957" cy="3404374"/>
+            <a:off x="4193627" y="2966727"/>
+            <a:ext cx="7819697" cy="3862675"/>
           </a:xfrm>
           <a:prstGeom prst="rect">
             <a:avLst/>
@@ -12757,7 +13240,7 @@
     </p:spTree>
     <p:extLst>
       <p:ext uri="{BB962C8B-B14F-4D97-AF65-F5344CB8AC3E}">
-        <p14:creationId xmlns:p14="http://schemas.microsoft.com/office/powerpoint/2010/main" val="3773735413"/>
+        <p14:creationId xmlns:p14="http://schemas.microsoft.com/office/powerpoint/2010/main" val="2212255642"/>
       </p:ext>
     </p:extLst>
   </p:cSld>
@@ -12794,91 +13277,52 @@
             <p:ph type="title"/>
           </p:nvPr>
         </p:nvSpPr>
-        <p:spPr>
-          <a:xfrm>
-            <a:off x="685801" y="205563"/>
-            <a:ext cx="10131425" cy="1456267"/>
-          </a:xfrm>
-        </p:spPr>
+        <p:spPr/>
         <p:txBody>
           <a:bodyPr/>
           <a:lstStyle/>
           <a:p>
             <a:r>
               <a:rPr lang="en-US" dirty="0" smtClean="0"/>
-              <a:t>EXAMPLE 2: LOOKING AT CAUSES OF FLUCTUATION</a:t>
-            </a:r>
-            <a:endParaRPr lang="en-US" dirty="0"/>
-          </a:p>
-        </p:txBody>
-      </p:sp>
-      <p:sp>
-        <p:nvSpPr>
-          <p:cNvPr id="3" name="Content Placeholder 2"/>
-          <p:cNvSpPr>
-            <a:spLocks noGrp="1"/>
-          </p:cNvSpPr>
-          <p:nvPr>
-            <p:ph idx="1"/>
-          </p:nvPr>
-        </p:nvSpPr>
-        <p:spPr>
-          <a:xfrm>
-            <a:off x="755543" y="4707102"/>
-            <a:ext cx="10131425" cy="2807776"/>
-          </a:xfrm>
-        </p:spPr>
-        <p:txBody>
-          <a:bodyPr/>
-          <a:lstStyle/>
-          <a:p>
-            <a:r>
-              <a:rPr lang="en-US" dirty="0" smtClean="0"/>
-              <a:t>In this example, we change the inputs and data transformation</a:t>
-            </a:r>
-          </a:p>
-          <a:p>
-            <a:r>
-              <a:rPr lang="en-US" dirty="0" smtClean="0"/>
-              <a:t>look at multiple data sources for week to week: total tweets mentioning artist &amp; song, change from previous week billboard chart, change in google hits</a:t>
-            </a:r>
-          </a:p>
-          <a:p>
-            <a:pPr marL="0" indent="0">
-              <a:buNone/>
-            </a:pPr>
+              <a:t>Tweet topologies</a:t>
+            </a:r>
             <a:endParaRPr lang="en-US" dirty="0"/>
           </a:p>
         </p:txBody>
       </p:sp>
       <p:pic>
         <p:nvPicPr>
-          <p:cNvPr id="4" name="Picture 3"/>
+          <p:cNvPr id="4" name="Content Placeholder 3"/>
           <p:cNvPicPr>
-            <a:picLocks noChangeAspect="1"/>
+            <a:picLocks noGrp="1" noChangeAspect="1"/>
           </p:cNvPicPr>
-          <p:nvPr/>
+          <p:nvPr>
+            <p:ph idx="1"/>
+          </p:nvPr>
         </p:nvPicPr>
         <p:blipFill>
-          <a:blip r:embed="rId2"/>
+          <a:blip r:embed="rId2">
+            <a:extLst>
+              <a:ext uri="{28A0092B-C50C-407E-A947-70E740481C1C}">
+                <a14:useLocalDpi xmlns:a14="http://schemas.microsoft.com/office/drawing/2010/main" val="0"/>
+              </a:ext>
+            </a:extLst>
+          </a:blip>
           <a:stretch>
             <a:fillRect/>
           </a:stretch>
         </p:blipFill>
         <p:spPr>
           <a:xfrm>
-            <a:off x="840786" y="1525499"/>
-            <a:ext cx="9015595" cy="3265555"/>
+            <a:off x="1050639" y="2141538"/>
+            <a:ext cx="9401746" cy="3649662"/>
           </a:xfrm>
-          <a:prstGeom prst="rect">
-            <a:avLst/>
-          </a:prstGeom>
         </p:spPr>
       </p:pic>
     </p:spTree>
     <p:extLst>
       <p:ext uri="{BB962C8B-B14F-4D97-AF65-F5344CB8AC3E}">
-        <p14:creationId xmlns:p14="http://schemas.microsoft.com/office/powerpoint/2010/main" val="2494791903"/>
+        <p14:creationId xmlns:p14="http://schemas.microsoft.com/office/powerpoint/2010/main" val="2539819609"/>
       </p:ext>
     </p:extLst>
   </p:cSld>

--- a/w205Presentation_UmberLin.pptx
+++ b/w205Presentation_UmberLin.pptx
@@ -19,6 +19,7 @@
     <p:sldId id="264" r:id="rId13"/>
     <p:sldId id="266" r:id="rId14"/>
     <p:sldId id="267" r:id="rId15"/>
+    <p:sldId id="273" r:id="rId16"/>
   </p:sldIdLst>
   <p:sldSz cx="12192000" cy="6858000"/>
   <p:notesSz cx="6858000" cy="9144000"/>
@@ -5912,7 +5913,7 @@
             <a:fld id="{B61BEF0D-F0BB-DE4B-95CE-6DB70DBA9567}" type="datetimeFigureOut">
               <a:rPr lang="en-US" dirty="0"/>
               <a:pPr/>
-              <a:t>12/23/2015</a:t>
+              <a:t>12/24/2015</a:t>
             </a:fld>
             <a:endParaRPr lang="en-US" dirty="0"/>
           </a:p>
@@ -6243,7 +6244,7 @@
             <a:fld id="{B61BEF0D-F0BB-DE4B-95CE-6DB70DBA9567}" type="datetimeFigureOut">
               <a:rPr lang="en-US" dirty="0"/>
               <a:pPr/>
-              <a:t>12/23/2015</a:t>
+              <a:t>12/24/2015</a:t>
             </a:fld>
             <a:endParaRPr lang="en-US" dirty="0"/>
           </a:p>
@@ -6518,7 +6519,7 @@
             <a:fld id="{B61BEF0D-F0BB-DE4B-95CE-6DB70DBA9567}" type="datetimeFigureOut">
               <a:rPr lang="en-US" dirty="0"/>
               <a:pPr/>
-              <a:t>12/23/2015</a:t>
+              <a:t>12/24/2015</a:t>
             </a:fld>
             <a:endParaRPr lang="en-US" dirty="0"/>
           </a:p>
@@ -7083,7 +7084,7 @@
             <a:fld id="{B61BEF0D-F0BB-DE4B-95CE-6DB70DBA9567}" type="datetimeFigureOut">
               <a:rPr lang="en-US" dirty="0"/>
               <a:pPr/>
-              <a:t>12/23/2015</a:t>
+              <a:t>12/24/2015</a:t>
             </a:fld>
             <a:endParaRPr lang="en-US" dirty="0"/>
           </a:p>
@@ -7358,7 +7359,7 @@
             <a:fld id="{B61BEF0D-F0BB-DE4B-95CE-6DB70DBA9567}" type="datetimeFigureOut">
               <a:rPr lang="en-US" dirty="0"/>
               <a:pPr/>
-              <a:t>12/23/2015</a:t>
+              <a:t>12/24/2015</a:t>
             </a:fld>
             <a:endParaRPr lang="en-US" dirty="0"/>
           </a:p>
@@ -7917,7 +7918,7 @@
             <a:fld id="{B61BEF0D-F0BB-DE4B-95CE-6DB70DBA9567}" type="datetimeFigureOut">
               <a:rPr lang="en-US" dirty="0"/>
               <a:pPr/>
-              <a:t>12/23/2015</a:t>
+              <a:t>12/24/2015</a:t>
             </a:fld>
             <a:endParaRPr lang="en-US" dirty="0"/>
           </a:p>
@@ -8241,7 +8242,7 @@
             <a:fld id="{B61BEF0D-F0BB-DE4B-95CE-6DB70DBA9567}" type="datetimeFigureOut">
               <a:rPr lang="en-US" dirty="0"/>
               <a:pPr/>
-              <a:t>12/23/2015</a:t>
+              <a:t>12/24/2015</a:t>
             </a:fld>
             <a:endParaRPr lang="en-US" dirty="0"/>
           </a:p>
@@ -8415,7 +8416,7 @@
             <a:fld id="{B61BEF0D-F0BB-DE4B-95CE-6DB70DBA9567}" type="datetimeFigureOut">
               <a:rPr lang="en-US" dirty="0"/>
               <a:pPr/>
-              <a:t>12/23/2015</a:t>
+              <a:t>12/24/2015</a:t>
             </a:fld>
             <a:endParaRPr lang="en-US" dirty="0"/>
           </a:p>
@@ -8650,7 +8651,7 @@
             <a:fld id="{B61BEF0D-F0BB-DE4B-95CE-6DB70DBA9567}" type="datetimeFigureOut">
               <a:rPr lang="en-US" dirty="0"/>
               <a:pPr/>
-              <a:t>12/23/2015</a:t>
+              <a:t>12/24/2015</a:t>
             </a:fld>
             <a:endParaRPr lang="en-US" dirty="0"/>
           </a:p>
@@ -8847,7 +8848,7 @@
             <a:fld id="{B61BEF0D-F0BB-DE4B-95CE-6DB70DBA9567}" type="datetimeFigureOut">
               <a:rPr lang="en-US" dirty="0"/>
               <a:pPr/>
-              <a:t>12/23/2015</a:t>
+              <a:t>12/24/2015</a:t>
             </a:fld>
             <a:endParaRPr lang="en-US" dirty="0"/>
           </a:p>
@@ -9120,7 +9121,7 @@
             <a:fld id="{B61BEF0D-F0BB-DE4B-95CE-6DB70DBA9567}" type="datetimeFigureOut">
               <a:rPr lang="en-US" dirty="0"/>
               <a:pPr/>
-              <a:t>12/23/2015</a:t>
+              <a:t>12/24/2015</a:t>
             </a:fld>
             <a:endParaRPr lang="en-US" dirty="0"/>
           </a:p>
@@ -9383,7 +9384,7 @@
             <a:fld id="{B61BEF0D-F0BB-DE4B-95CE-6DB70DBA9567}" type="datetimeFigureOut">
               <a:rPr lang="en-US" dirty="0"/>
               <a:pPr/>
-              <a:t>12/23/2015</a:t>
+              <a:t>12/24/2015</a:t>
             </a:fld>
             <a:endParaRPr lang="en-US" dirty="0"/>
           </a:p>
@@ -9754,7 +9755,7 @@
             <a:fld id="{B61BEF0D-F0BB-DE4B-95CE-6DB70DBA9567}" type="datetimeFigureOut">
               <a:rPr lang="en-US" dirty="0"/>
               <a:pPr/>
-              <a:t>12/23/2015</a:t>
+              <a:t>12/24/2015</a:t>
             </a:fld>
             <a:endParaRPr lang="en-US" dirty="0"/>
           </a:p>
@@ -9899,7 +9900,7 @@
             <a:fld id="{B61BEF0D-F0BB-DE4B-95CE-6DB70DBA9567}" type="datetimeFigureOut">
               <a:rPr lang="en-US" dirty="0"/>
               <a:pPr/>
-              <a:t>12/23/2015</a:t>
+              <a:t>12/24/2015</a:t>
             </a:fld>
             <a:endParaRPr lang="en-US" dirty="0"/>
           </a:p>
@@ -10021,7 +10022,7 @@
             <a:fld id="{B61BEF0D-F0BB-DE4B-95CE-6DB70DBA9567}" type="datetimeFigureOut">
               <a:rPr lang="en-US" dirty="0"/>
               <a:pPr/>
-              <a:t>12/23/2015</a:t>
+              <a:t>12/24/2015</a:t>
             </a:fld>
             <a:endParaRPr lang="en-US" dirty="0"/>
           </a:p>
@@ -10303,7 +10304,7 @@
             <a:fld id="{B61BEF0D-F0BB-DE4B-95CE-6DB70DBA9567}" type="datetimeFigureOut">
               <a:rPr lang="en-US" dirty="0"/>
               <a:pPr/>
-              <a:t>12/23/2015</a:t>
+              <a:t>12/24/2015</a:t>
             </a:fld>
             <a:endParaRPr lang="en-US" dirty="0"/>
           </a:p>
@@ -10624,7 +10625,7 @@
             <a:fld id="{B61BEF0D-F0BB-DE4B-95CE-6DB70DBA9567}" type="datetimeFigureOut">
               <a:rPr lang="en-US" dirty="0"/>
               <a:pPr/>
-              <a:t>12/23/2015</a:t>
+              <a:t>12/24/2015</a:t>
             </a:fld>
             <a:endParaRPr lang="en-US" dirty="0"/>
           </a:p>
@@ -10835,7 +10836,7 @@
             <a:fld id="{B61BEF0D-F0BB-DE4B-95CE-6DB70DBA9567}" type="datetimeFigureOut">
               <a:rPr lang="en-US" dirty="0"/>
               <a:pPr/>
-              <a:t>12/23/2015</a:t>
+              <a:t>12/24/2015</a:t>
             </a:fld>
             <a:endParaRPr lang="en-US" dirty="0"/>
           </a:p>
@@ -11395,11 +11396,7 @@
           <a:p>
             <a:r>
               <a:rPr lang="en-US" dirty="0" smtClean="0"/>
-              <a:t>W205 </a:t>
-            </a:r>
-            <a:r>
-              <a:rPr lang="en-US" dirty="0" smtClean="0"/>
-              <a:t>Final project</a:t>
+              <a:t>W205 Final project</a:t>
             </a:r>
             <a:endParaRPr lang="en-US" dirty="0"/>
           </a:p>
@@ -11866,11 +11863,7 @@
           <a:p>
             <a:r>
               <a:rPr lang="en-US" dirty="0" smtClean="0"/>
-              <a:t>LOOKING </a:t>
-            </a:r>
-            <a:r>
-              <a:rPr lang="en-US" dirty="0" smtClean="0"/>
-              <a:t>AT CAUSES OF FLUCTUATION</a:t>
+              <a:t>LOOKING AT CAUSES OF FLUCTUATION</a:t>
             </a:r>
             <a:endParaRPr lang="en-US" dirty="0"/>
           </a:p>
@@ -12129,7 +12122,6 @@
               <a:rPr lang="en-US" dirty="0" smtClean="0"/>
               <a:t>Explore more songs, the API we use allow us to get 15 artists per genre, and 100 songs per artist, we are only exploring 1 song from 1 artist per genre for now. </a:t>
             </a:r>
-            <a:endParaRPr lang="en-US" dirty="0" smtClean="0"/>
           </a:p>
           <a:p>
             <a:r>
@@ -12146,20 +12138,14 @@
           <a:p>
             <a:r>
               <a:rPr lang="en-US" dirty="0" smtClean="0"/>
-              <a:t>Automate reporting to visualization </a:t>
-            </a:r>
-            <a:r>
-              <a:rPr lang="en-US" dirty="0" smtClean="0"/>
-              <a:t>layer, currently some parts are manual. </a:t>
-            </a:r>
-            <a:endParaRPr lang="en-US" dirty="0" smtClean="0"/>
+              <a:t>Automate reporting to visualization layer, currently some parts are manual. </a:t>
+            </a:r>
           </a:p>
           <a:p>
             <a:r>
               <a:rPr lang="en-US" dirty="0" smtClean="0"/>
               <a:t>Bug fixes if needed. </a:t>
             </a:r>
-            <a:endParaRPr lang="en-US" dirty="0" smtClean="0"/>
           </a:p>
           <a:p>
             <a:pPr marL="0" indent="0">
@@ -12173,6 +12159,137 @@
     <p:extLst>
       <p:ext uri="{BB962C8B-B14F-4D97-AF65-F5344CB8AC3E}">
         <p14:creationId xmlns:p14="http://schemas.microsoft.com/office/powerpoint/2010/main" val="2920570267"/>
+      </p:ext>
+    </p:extLst>
+  </p:cSld>
+  <p:clrMapOvr>
+    <a:masterClrMapping/>
+  </p:clrMapOvr>
+</p:sld>
+</file>
+
+<file path=ppt/slides/slide15.xml><?xml version="1.0" encoding="utf-8"?>
+<p:sld xmlns:a="http://schemas.openxmlformats.org/drawingml/2006/main" xmlns:r="http://schemas.openxmlformats.org/officeDocument/2006/relationships" xmlns:p="http://schemas.openxmlformats.org/presentationml/2006/main">
+  <p:cSld>
+    <p:spTree>
+      <p:nvGrpSpPr>
+        <p:cNvPr id="1" name=""/>
+        <p:cNvGrpSpPr/>
+        <p:nvPr/>
+      </p:nvGrpSpPr>
+      <p:grpSpPr>
+        <a:xfrm>
+          <a:off x="0" y="0"/>
+          <a:ext cx="0" cy="0"/>
+          <a:chOff x="0" y="0"/>
+          <a:chExt cx="0" cy="0"/>
+        </a:xfrm>
+      </p:grpSpPr>
+      <p:sp>
+        <p:nvSpPr>
+          <p:cNvPr id="2" name="Title 1"/>
+          <p:cNvSpPr>
+            <a:spLocks noGrp="1"/>
+          </p:cNvSpPr>
+          <p:nvPr>
+            <p:ph type="title"/>
+          </p:nvPr>
+        </p:nvSpPr>
+        <p:spPr/>
+        <p:txBody>
+          <a:bodyPr/>
+          <a:lstStyle/>
+          <a:p>
+            <a:r>
+              <a:rPr lang="en-US" dirty="0" smtClean="0"/>
+              <a:t>Scale and evolve </a:t>
+            </a:r>
+            <a:endParaRPr lang="en-US" dirty="0"/>
+          </a:p>
+        </p:txBody>
+      </p:sp>
+      <p:sp>
+        <p:nvSpPr>
+          <p:cNvPr id="3" name="Content Placeholder 2"/>
+          <p:cNvSpPr>
+            <a:spLocks noGrp="1"/>
+          </p:cNvSpPr>
+          <p:nvPr>
+            <p:ph idx="1"/>
+          </p:nvPr>
+        </p:nvSpPr>
+        <p:spPr/>
+        <p:txBody>
+          <a:bodyPr/>
+          <a:lstStyle/>
+          <a:p>
+            <a:r>
+              <a:rPr lang="en-US" dirty="0" smtClean="0"/>
+              <a:t>To Scale </a:t>
+            </a:r>
+          </a:p>
+          <a:p>
+            <a:pPr lvl="1"/>
+            <a:r>
+              <a:rPr lang="en-US" dirty="0" err="1" smtClean="0"/>
+              <a:t>PostgresSQL</a:t>
+            </a:r>
+            <a:r>
+              <a:rPr lang="en-US" dirty="0" smtClean="0"/>
+              <a:t> is already a good choice for storage, Power BI may be limited when data reaches more than 2G, so we may need to partition the data based on some attribute, for example based on first alphabet in the song title </a:t>
+            </a:r>
+          </a:p>
+          <a:p>
+            <a:pPr lvl="1"/>
+            <a:r>
+              <a:rPr lang="en-US" dirty="0" smtClean="0"/>
+              <a:t>More AWS machines and running more MR jobs to scrape historical data, and get data faster </a:t>
+            </a:r>
+            <a:endParaRPr lang="en-US" dirty="0"/>
+          </a:p>
+          <a:p>
+            <a:r>
+              <a:rPr lang="en-US" dirty="0" smtClean="0"/>
+              <a:t>To Evolve </a:t>
+            </a:r>
+          </a:p>
+          <a:p>
+            <a:pPr lvl="1"/>
+            <a:r>
+              <a:rPr lang="en-US" dirty="0" smtClean="0"/>
+              <a:t>Instantiate YouTube data scraping pipeline, including counting music video view counts, and comment count. If possible, also read all comments under the music video and start natural language processing machine learning process to extra key words that may predict a hit.</a:t>
+            </a:r>
+          </a:p>
+          <a:p>
+            <a:pPr lvl="1"/>
+            <a:r>
+              <a:rPr lang="en-US" dirty="0" smtClean="0"/>
+              <a:t>Power BI can directly connect to </a:t>
+            </a:r>
+            <a:r>
+              <a:rPr lang="en-US" dirty="0" err="1" smtClean="0"/>
+              <a:t>PostgresSQL</a:t>
+            </a:r>
+            <a:r>
+              <a:rPr lang="en-US" dirty="0" smtClean="0"/>
+              <a:t> DB, so instead of manually download data into CSV, we can directly connect from Power BI to </a:t>
+            </a:r>
+            <a:r>
+              <a:rPr lang="en-US" dirty="0" err="1" smtClean="0"/>
+              <a:t>PostgresSQL</a:t>
+            </a:r>
+            <a:r>
+              <a:rPr lang="en-US" smtClean="0"/>
+              <a:t>.  </a:t>
+            </a:r>
+            <a:endParaRPr lang="en-US" dirty="0" smtClean="0"/>
+          </a:p>
+        </p:txBody>
+      </p:sp>
+    </p:spTree>
+    <p:extLst>
+      <p:ext uri="{BB962C8B-B14F-4D97-AF65-F5344CB8AC3E}">
+        <p14:creationId xmlns:p14="http://schemas.microsoft.com/office/powerpoint/2010/main" val="2950079125"/>
       </p:ext>
     </p:extLst>
   </p:cSld>
@@ -12424,13 +12541,8 @@
             </a:pPr>
             <a:r>
               <a:rPr lang="en-US" b="1" dirty="0" smtClean="0"/>
-              <a:t>UNDERSTAND – determine the best predictors for a song’s </a:t>
-            </a:r>
-            <a:r>
-              <a:rPr lang="en-US" b="1" dirty="0" smtClean="0"/>
-              <a:t>success</a:t>
-            </a:r>
-            <a:endParaRPr lang="en-US" b="1" dirty="0" smtClean="0"/>
+              <a:t>UNDERSTAND – determine the best predictors for a song’s success</a:t>
+            </a:r>
           </a:p>
           <a:p>
             <a:pPr marL="800100" lvl="1" indent="-342900">
@@ -12449,11 +12561,7 @@
             </a:pPr>
             <a:r>
               <a:rPr lang="en-US" b="1" dirty="0" smtClean="0"/>
-              <a:t>ITERATE </a:t>
-            </a:r>
-            <a:r>
-              <a:rPr lang="en-US" b="1" dirty="0" smtClean="0"/>
-              <a:t>– continually reconcile prediction effectiveness against actual outcome</a:t>
+              <a:t>ITERATE – continually reconcile prediction effectiveness against actual outcome</a:t>
             </a:r>
             <a:endParaRPr lang="en-US" b="1" dirty="0"/>
           </a:p>
@@ -13134,11 +13242,7 @@
           <a:p>
             <a:r>
               <a:rPr lang="en-US" dirty="0" smtClean="0"/>
-              <a:t>After setting up the data pipeline. We </a:t>
-            </a:r>
-            <a:r>
-              <a:rPr lang="en-US" dirty="0" smtClean="0"/>
-              <a:t>transformed </a:t>
+              <a:t>After setting up the data pipeline. We transformed </a:t>
             </a:r>
             <a:r>
               <a:rPr lang="en-US" dirty="0" err="1" smtClean="0"/>
@@ -13156,18 +13260,12 @@
               <a:rPr lang="en-US" dirty="0" smtClean="0"/>
               <a:t> DB. </a:t>
             </a:r>
-            <a:endParaRPr lang="en-US" dirty="0" smtClean="0"/>
           </a:p>
           <a:p>
             <a:r>
               <a:rPr lang="en-US" dirty="0" smtClean="0"/>
-              <a:t>Then </a:t>
-            </a:r>
-            <a:r>
-              <a:rPr lang="en-US" dirty="0" smtClean="0"/>
-              <a:t>added data attribute we need to enrich, such as tweet count, and song hotness. </a:t>
-            </a:r>
-            <a:endParaRPr lang="en-US" dirty="0" smtClean="0"/>
+              <a:t>Then added data attribute we need to enrich, such as tweet count, and song hotness. </a:t>
+            </a:r>
           </a:p>
           <a:p>
             <a:r>

--- a/w205Presentation_UmberLin.pptx
+++ b/w205Presentation_UmberLin.pptx
@@ -11561,7 +11561,7 @@
         </p:blipFill>
         <p:spPr>
           <a:xfrm>
-            <a:off x="1564325" y="2929813"/>
+            <a:off x="450228" y="3024406"/>
             <a:ext cx="8374375" cy="3649662"/>
           </a:xfrm>
         </p:spPr>
@@ -11811,6 +11811,96 @@
           </a:p>
         </p:txBody>
       </p:sp>
+      <p:pic>
+        <p:nvPicPr>
+          <p:cNvPr id="3" name="Picture 2"/>
+          <p:cNvPicPr>
+            <a:picLocks noChangeAspect="1"/>
+          </p:cNvPicPr>
+          <p:nvPr/>
+        </p:nvPicPr>
+        <p:blipFill>
+          <a:blip r:embed="rId3">
+            <a:extLst>
+              <a:ext uri="{28A0092B-C50C-407E-A947-70E740481C1C}">
+                <a14:useLocalDpi xmlns:a14="http://schemas.microsoft.com/office/drawing/2010/main" val="0"/>
+              </a:ext>
+            </a:extLst>
+          </a:blip>
+          <a:stretch>
+            <a:fillRect/>
+          </a:stretch>
+        </p:blipFill>
+        <p:spPr>
+          <a:xfrm>
+            <a:off x="9916232" y="366025"/>
+            <a:ext cx="1385292" cy="2458893"/>
+          </a:xfrm>
+          <a:prstGeom prst="rect">
+            <a:avLst/>
+          </a:prstGeom>
+        </p:spPr>
+      </p:pic>
+      <p:pic>
+        <p:nvPicPr>
+          <p:cNvPr id="6" name="Picture 5"/>
+          <p:cNvPicPr>
+            <a:picLocks noChangeAspect="1"/>
+          </p:cNvPicPr>
+          <p:nvPr/>
+        </p:nvPicPr>
+        <p:blipFill>
+          <a:blip r:embed="rId4">
+            <a:extLst>
+              <a:ext uri="{28A0092B-C50C-407E-A947-70E740481C1C}">
+                <a14:useLocalDpi xmlns:a14="http://schemas.microsoft.com/office/drawing/2010/main" val="0"/>
+              </a:ext>
+            </a:extLst>
+          </a:blip>
+          <a:stretch>
+            <a:fillRect/>
+          </a:stretch>
+        </p:blipFill>
+        <p:spPr>
+          <a:xfrm>
+            <a:off x="9060176" y="3079355"/>
+            <a:ext cx="2887717" cy="1626883"/>
+          </a:xfrm>
+          <a:prstGeom prst="rect">
+            <a:avLst/>
+          </a:prstGeom>
+        </p:spPr>
+      </p:pic>
+      <p:pic>
+        <p:nvPicPr>
+          <p:cNvPr id="7" name="Picture 6"/>
+          <p:cNvPicPr>
+            <a:picLocks noChangeAspect="1"/>
+          </p:cNvPicPr>
+          <p:nvPr/>
+        </p:nvPicPr>
+        <p:blipFill>
+          <a:blip r:embed="rId5">
+            <a:extLst>
+              <a:ext uri="{28A0092B-C50C-407E-A947-70E740481C1C}">
+                <a14:useLocalDpi xmlns:a14="http://schemas.microsoft.com/office/drawing/2010/main" val="0"/>
+              </a:ext>
+            </a:extLst>
+          </a:blip>
+          <a:stretch>
+            <a:fillRect/>
+          </a:stretch>
+        </p:blipFill>
+        <p:spPr>
+          <a:xfrm>
+            <a:off x="9060176" y="5001657"/>
+            <a:ext cx="2887717" cy="1626883"/>
+          </a:xfrm>
+          <a:prstGeom prst="rect">
+            <a:avLst/>
+          </a:prstGeom>
+        </p:spPr>
+      </p:pic>
     </p:spTree>
     <p:extLst>
       <p:ext uri="{BB962C8B-B14F-4D97-AF65-F5344CB8AC3E}">
@@ -12279,10 +12369,9 @@
               <a:t>PostgresSQL</a:t>
             </a:r>
             <a:r>
-              <a:rPr lang="en-US" smtClean="0"/>
+              <a:rPr lang="en-US" dirty="0" smtClean="0"/>
               <a:t>.  </a:t>
             </a:r>
-            <a:endParaRPr lang="en-US" dirty="0" smtClean="0"/>
           </a:p>
         </p:txBody>
       </p:sp>
